--- a/Lecture#19/Lecture_19.pptx
+++ b/Lecture#19/Lecture_19.pptx
@@ -291,7 +291,7 @@
                 </a:solidFill>
               </a:rPr>
               <a:pPr/>
-              <a:t>4/1/2019</a:t>
+              <a:t>4/2/2019</a:t>
             </a:fld>
             <a:endParaRPr lang="en-US" dirty="0">
               <a:solidFill>
@@ -452,7 +452,7 @@
             <a:fld id="{DBF7D493-8EEB-7E45-916B-5FBC49ABC710}" type="datetimeFigureOut">
               <a:rPr lang="en-US" smtClean="0"/>
               <a:pPr/>
-              <a:t>4/1/2019</a:t>
+              <a:t>4/2/2019</a:t>
             </a:fld>
             <a:endParaRPr lang="en-US" dirty="0"/>
           </a:p>
@@ -2015,7 +2015,7 @@
           <a:p>
             <a:fld id="{F62094D6-B8C5-C844-9101-AF55BD1C7C2B}" type="datetimeFigureOut">
               <a:rPr lang="en-US" smtClean="0"/>
-              <a:t>4/1/2019</a:t>
+              <a:t>4/2/2019</a:t>
             </a:fld>
             <a:endParaRPr lang="en-US"/>
           </a:p>
@@ -4482,7 +4482,7 @@
             <a:effectLst/>
             <a:extLst>
               <a:ext uri="{AF507438-7753-43e0-B8FC-AC1667EBCBE1}">
-                <a14:hiddenEffects xmlns="" xmlns:a14="http://schemas.microsoft.com/office/drawing/2010/main">
+                <a14:hiddenEffects xmlns:a14="http://schemas.microsoft.com/office/drawing/2010/main" xmlns="">
                   <a:effectLst>
                     <a:outerShdw blurRad="63500" dist="38099" dir="2700000" algn="ctr" rotWithShape="0">
                       <a:schemeClr val="bg2">
@@ -4540,7 +4540,7 @@
             <a:effectLst/>
             <a:extLst>
               <a:ext uri="{AF507438-7753-43e0-B8FC-AC1667EBCBE1}">
-                <a14:hiddenEffects xmlns="" xmlns:a14="http://schemas.microsoft.com/office/drawing/2010/main">
+                <a14:hiddenEffects xmlns:a14="http://schemas.microsoft.com/office/drawing/2010/main" xmlns="">
                   <a:effectLst>
                     <a:outerShdw blurRad="63500" dist="38099" dir="2700000" algn="ctr" rotWithShape="0">
                       <a:schemeClr val="bg2">
@@ -4598,7 +4598,7 @@
             <a:effectLst/>
             <a:extLst>
               <a:ext uri="{AF507438-7753-43e0-B8FC-AC1667EBCBE1}">
-                <a14:hiddenEffects xmlns="" xmlns:a14="http://schemas.microsoft.com/office/drawing/2010/main">
+                <a14:hiddenEffects xmlns:a14="http://schemas.microsoft.com/office/drawing/2010/main" xmlns="">
                   <a:effectLst>
                     <a:outerShdw blurRad="63500" dist="38099" dir="2700000" algn="ctr" rotWithShape="0">
                       <a:schemeClr val="bg2">
@@ -4650,12 +4650,12 @@
             <a:effectLst/>
             <a:extLst>
               <a:ext uri="{909E8E84-426E-40dd-AFC4-6F175D3DCCD1}">
-                <a14:hiddenFill xmlns="" xmlns:a14="http://schemas.microsoft.com/office/drawing/2010/main">
+                <a14:hiddenFill xmlns:a14="http://schemas.microsoft.com/office/drawing/2010/main" xmlns="">
                   <a:noFill/>
                 </a14:hiddenFill>
               </a:ext>
               <a:ext uri="{AF507438-7753-43e0-B8FC-AC1667EBCBE1}">
-                <a14:hiddenEffects xmlns="" xmlns:a14="http://schemas.microsoft.com/office/drawing/2010/main">
+                <a14:hiddenEffects xmlns:a14="http://schemas.microsoft.com/office/drawing/2010/main" xmlns="">
                   <a:effectLst>
                     <a:outerShdw blurRad="63500" dist="38099" dir="2700000" algn="ctr" rotWithShape="0">
                       <a:schemeClr val="bg2">
@@ -4696,12 +4696,12 @@
             <a:effectLst/>
             <a:extLst>
               <a:ext uri="{909E8E84-426E-40dd-AFC4-6F175D3DCCD1}">
-                <a14:hiddenFill xmlns="" xmlns:a14="http://schemas.microsoft.com/office/drawing/2010/main">
+                <a14:hiddenFill xmlns:a14="http://schemas.microsoft.com/office/drawing/2010/main" xmlns="">
                   <a:noFill/>
                 </a14:hiddenFill>
               </a:ext>
               <a:ext uri="{AF507438-7753-43e0-B8FC-AC1667EBCBE1}">
-                <a14:hiddenEffects xmlns="" xmlns:a14="http://schemas.microsoft.com/office/drawing/2010/main">
+                <a14:hiddenEffects xmlns:a14="http://schemas.microsoft.com/office/drawing/2010/main" xmlns="">
                   <a:effectLst>
                     <a:outerShdw blurRad="63500" dist="38099" dir="2700000" algn="ctr" rotWithShape="0">
                       <a:schemeClr val="bg2">
@@ -4737,14 +4737,14 @@
             <a:effectLst/>
             <a:extLst>
               <a:ext uri="{909E8E84-426E-40dd-AFC4-6F175D3DCCD1}">
-                <a14:hiddenFill xmlns="" xmlns:a14="http://schemas.microsoft.com/office/drawing/2010/main">
+                <a14:hiddenFill xmlns:a14="http://schemas.microsoft.com/office/drawing/2010/main" xmlns="">
                   <a:solidFill>
                     <a:schemeClr val="accent1"/>
                   </a:solidFill>
                 </a14:hiddenFill>
               </a:ext>
               <a:ext uri="{91240B29-F687-4f45-9708-019B960494DF}">
-                <a14:hiddenLine xmlns="" xmlns:a14="http://schemas.microsoft.com/office/drawing/2010/main" w="9525">
+                <a14:hiddenLine xmlns:a14="http://schemas.microsoft.com/office/drawing/2010/main" xmlns="" w="9525">
                   <a:solidFill>
                     <a:schemeClr val="tx1"/>
                   </a:solidFill>
@@ -4754,7 +4754,7 @@
                 </a14:hiddenLine>
               </a:ext>
               <a:ext uri="{AF507438-7753-43e0-B8FC-AC1667EBCBE1}">
-                <a14:hiddenEffects xmlns="" xmlns:a14="http://schemas.microsoft.com/office/drawing/2010/main">
+                <a14:hiddenEffects xmlns:a14="http://schemas.microsoft.com/office/drawing/2010/main" xmlns="">
                   <a:effectLst>
                     <a:outerShdw blurRad="63500" dist="38099" dir="2700000" algn="ctr" rotWithShape="0">
                       <a:schemeClr val="bg2">
@@ -4808,12 +4808,12 @@
             <a:effectLst/>
             <a:extLst>
               <a:ext uri="{909E8E84-426E-40dd-AFC4-6F175D3DCCD1}">
-                <a14:hiddenFill xmlns="" xmlns:a14="http://schemas.microsoft.com/office/drawing/2010/main">
+                <a14:hiddenFill xmlns:a14="http://schemas.microsoft.com/office/drawing/2010/main" xmlns="">
                   <a:noFill/>
                 </a14:hiddenFill>
               </a:ext>
               <a:ext uri="{AF507438-7753-43e0-B8FC-AC1667EBCBE1}">
-                <a14:hiddenEffects xmlns="" xmlns:a14="http://schemas.microsoft.com/office/drawing/2010/main">
+                <a14:hiddenEffects xmlns:a14="http://schemas.microsoft.com/office/drawing/2010/main" xmlns="">
                   <a:effectLst>
                     <a:outerShdw blurRad="63500" dist="38099" dir="2700000" algn="ctr" rotWithShape="0">
                       <a:schemeClr val="bg2">
@@ -5375,7 +5375,7 @@
             <a:effectLst/>
             <a:extLst>
               <a:ext uri="{AF507438-7753-43e0-B8FC-AC1667EBCBE1}">
-                <a14:hiddenEffects xmlns="" xmlns:a14="http://schemas.microsoft.com/office/drawing/2010/main">
+                <a14:hiddenEffects xmlns:a14="http://schemas.microsoft.com/office/drawing/2010/main" xmlns="">
                   <a:effectLst>
                     <a:outerShdw blurRad="63500" dist="38099" dir="2700000" algn="ctr" rotWithShape="0">
                       <a:schemeClr val="bg2">
@@ -5433,7 +5433,7 @@
             <a:effectLst/>
             <a:extLst>
               <a:ext uri="{AF507438-7753-43e0-B8FC-AC1667EBCBE1}">
-                <a14:hiddenEffects xmlns="" xmlns:a14="http://schemas.microsoft.com/office/drawing/2010/main">
+                <a14:hiddenEffects xmlns:a14="http://schemas.microsoft.com/office/drawing/2010/main" xmlns="">
                   <a:effectLst>
                     <a:outerShdw blurRad="63500" dist="38099" dir="2700000" algn="ctr" rotWithShape="0">
                       <a:schemeClr val="bg2">
@@ -5491,7 +5491,7 @@
             <a:effectLst/>
             <a:extLst>
               <a:ext uri="{AF507438-7753-43e0-B8FC-AC1667EBCBE1}">
-                <a14:hiddenEffects xmlns="" xmlns:a14="http://schemas.microsoft.com/office/drawing/2010/main">
+                <a14:hiddenEffects xmlns:a14="http://schemas.microsoft.com/office/drawing/2010/main" xmlns="">
                   <a:effectLst>
                     <a:outerShdw blurRad="63500" dist="38099" dir="2700000" algn="ctr" rotWithShape="0">
                       <a:schemeClr val="bg2">
@@ -5543,12 +5543,12 @@
             <a:effectLst/>
             <a:extLst>
               <a:ext uri="{909E8E84-426E-40dd-AFC4-6F175D3DCCD1}">
-                <a14:hiddenFill xmlns="" xmlns:a14="http://schemas.microsoft.com/office/drawing/2010/main">
+                <a14:hiddenFill xmlns:a14="http://schemas.microsoft.com/office/drawing/2010/main" xmlns="">
                   <a:noFill/>
                 </a14:hiddenFill>
               </a:ext>
               <a:ext uri="{AF507438-7753-43e0-B8FC-AC1667EBCBE1}">
-                <a14:hiddenEffects xmlns="" xmlns:a14="http://schemas.microsoft.com/office/drawing/2010/main">
+                <a14:hiddenEffects xmlns:a14="http://schemas.microsoft.com/office/drawing/2010/main" xmlns="">
                   <a:effectLst>
                     <a:outerShdw blurRad="63500" dist="38099" dir="2700000" algn="ctr" rotWithShape="0">
                       <a:schemeClr val="bg2">
@@ -5589,12 +5589,12 @@
             <a:effectLst/>
             <a:extLst>
               <a:ext uri="{909E8E84-426E-40dd-AFC4-6F175D3DCCD1}">
-                <a14:hiddenFill xmlns="" xmlns:a14="http://schemas.microsoft.com/office/drawing/2010/main">
+                <a14:hiddenFill xmlns:a14="http://schemas.microsoft.com/office/drawing/2010/main" xmlns="">
                   <a:noFill/>
                 </a14:hiddenFill>
               </a:ext>
               <a:ext uri="{AF507438-7753-43e0-B8FC-AC1667EBCBE1}">
-                <a14:hiddenEffects xmlns="" xmlns:a14="http://schemas.microsoft.com/office/drawing/2010/main">
+                <a14:hiddenEffects xmlns:a14="http://schemas.microsoft.com/office/drawing/2010/main" xmlns="">
                   <a:effectLst>
                     <a:outerShdw blurRad="63500" dist="38099" dir="2700000" algn="ctr" rotWithShape="0">
                       <a:schemeClr val="bg2">
@@ -5630,14 +5630,14 @@
             <a:effectLst/>
             <a:extLst>
               <a:ext uri="{909E8E84-426E-40dd-AFC4-6F175D3DCCD1}">
-                <a14:hiddenFill xmlns="" xmlns:a14="http://schemas.microsoft.com/office/drawing/2010/main">
+                <a14:hiddenFill xmlns:a14="http://schemas.microsoft.com/office/drawing/2010/main" xmlns="">
                   <a:solidFill>
                     <a:schemeClr val="accent1"/>
                   </a:solidFill>
                 </a14:hiddenFill>
               </a:ext>
               <a:ext uri="{91240B29-F687-4f45-9708-019B960494DF}">
-                <a14:hiddenLine xmlns="" xmlns:a14="http://schemas.microsoft.com/office/drawing/2010/main" w="9525">
+                <a14:hiddenLine xmlns:a14="http://schemas.microsoft.com/office/drawing/2010/main" xmlns="" w="9525">
                   <a:solidFill>
                     <a:schemeClr val="tx1"/>
                   </a:solidFill>
@@ -5647,7 +5647,7 @@
                 </a14:hiddenLine>
               </a:ext>
               <a:ext uri="{AF507438-7753-43e0-B8FC-AC1667EBCBE1}">
-                <a14:hiddenEffects xmlns="" xmlns:a14="http://schemas.microsoft.com/office/drawing/2010/main">
+                <a14:hiddenEffects xmlns:a14="http://schemas.microsoft.com/office/drawing/2010/main" xmlns="">
                   <a:effectLst>
                     <a:outerShdw blurRad="63500" dist="38099" dir="2700000" algn="ctr" rotWithShape="0">
                       <a:schemeClr val="bg2">
@@ -5701,12 +5701,12 @@
             <a:effectLst/>
             <a:extLst>
               <a:ext uri="{909E8E84-426E-40dd-AFC4-6F175D3DCCD1}">
-                <a14:hiddenFill xmlns="" xmlns:a14="http://schemas.microsoft.com/office/drawing/2010/main">
+                <a14:hiddenFill xmlns:a14="http://schemas.microsoft.com/office/drawing/2010/main" xmlns="">
                   <a:noFill/>
                 </a14:hiddenFill>
               </a:ext>
               <a:ext uri="{AF507438-7753-43e0-B8FC-AC1667EBCBE1}">
-                <a14:hiddenEffects xmlns="" xmlns:a14="http://schemas.microsoft.com/office/drawing/2010/main">
+                <a14:hiddenEffects xmlns:a14="http://schemas.microsoft.com/office/drawing/2010/main" xmlns="">
                   <a:effectLst>
                     <a:outerShdw blurRad="63500" dist="38099" dir="2700000" algn="ctr" rotWithShape="0">
                       <a:schemeClr val="bg2">
@@ -6058,7 +6058,7 @@
         </p:nvSpPr>
         <p:spPr>
           <a:xfrm>
-            <a:off x="404091" y="341981"/>
+            <a:off x="404091" y="234950"/>
             <a:ext cx="8405091" cy="491658"/>
           </a:xfrm>
         </p:spPr>
@@ -6085,8 +6085,8 @@
         </p:nvSpPr>
         <p:spPr>
           <a:xfrm>
-            <a:off x="404091" y="1030609"/>
-            <a:ext cx="8405091" cy="3193676"/>
+            <a:off x="404091" y="893667"/>
+            <a:ext cx="8405091" cy="3566964"/>
           </a:xfrm>
         </p:spPr>
         <p:txBody>
@@ -6336,7 +6336,7 @@
             </a:pPr>
             <a:r>
               <a:rPr lang="en-US" sz="1588" b="1" dirty="0"/>
-              <a:t>Delete a student record from the list</a:t>
+              <a:t>Add a new student record to the list at the correct place</a:t>
             </a:r>
           </a:p>
           <a:p>
@@ -6350,7 +6350,7 @@
             </a:pPr>
             <a:r>
               <a:rPr lang="en-US" sz="1588" b="1" dirty="0"/>
-              <a:t>Add a new student record to the list at the correct place</a:t>
+              <a:t>Delete a student record from the list</a:t>
             </a:r>
           </a:p>
         </p:txBody>

--- a/Lecture#19/Lecture_19.pptx
+++ b/Lecture#19/Lecture_19.pptx
@@ -7,10 +7,10 @@
     <p:sldMasterId id="2147483672" r:id="rId3"/>
   </p:sldMasterIdLst>
   <p:notesMasterIdLst>
-    <p:notesMasterId r:id="rId14"/>
+    <p:notesMasterId r:id="rId15"/>
   </p:notesMasterIdLst>
   <p:handoutMasterIdLst>
-    <p:handoutMasterId r:id="rId15"/>
+    <p:handoutMasterId r:id="rId16"/>
   </p:handoutMasterIdLst>
   <p:sldIdLst>
     <p:sldId id="260" r:id="rId4"/>
@@ -19,10 +19,11 @@
     <p:sldId id="505" r:id="rId7"/>
     <p:sldId id="408" r:id="rId8"/>
     <p:sldId id="507" r:id="rId9"/>
-    <p:sldId id="510" r:id="rId10"/>
-    <p:sldId id="508" r:id="rId11"/>
-    <p:sldId id="512" r:id="rId12"/>
-    <p:sldId id="511" r:id="rId13"/>
+    <p:sldId id="513" r:id="rId10"/>
+    <p:sldId id="510" r:id="rId11"/>
+    <p:sldId id="508" r:id="rId12"/>
+    <p:sldId id="512" r:id="rId13"/>
+    <p:sldId id="511" r:id="rId14"/>
   </p:sldIdLst>
   <p:sldSz cx="9144000" cy="5143500" type="screen16x9"/>
   <p:notesSz cx="9601200" cy="7315200"/>
@@ -4132,6 +4133,176 @@
           <a:chExt cx="0" cy="0"/>
         </a:xfrm>
       </p:grpSpPr>
+      <p:sp>
+        <p:nvSpPr>
+          <p:cNvPr id="2" name="Text Placeholder 1">
+            <a:extLst>
+              <a:ext uri="{FF2B5EF4-FFF2-40B4-BE49-F238E27FC236}">
+                <a16:creationId xmlns:a16="http://schemas.microsoft.com/office/drawing/2014/main" id="{7D765CEB-9593-4E5A-A6D4-A6D7E3B5D567}"/>
+              </a:ext>
+            </a:extLst>
+          </p:cNvPr>
+          <p:cNvSpPr>
+            <a:spLocks noGrp="1"/>
+          </p:cNvSpPr>
+          <p:nvPr>
+            <p:ph type="body" sz="quarter" idx="10"/>
+          </p:nvPr>
+        </p:nvSpPr>
+        <p:spPr>
+          <a:xfrm>
+            <a:off x="404095" y="273144"/>
+            <a:ext cx="8405091" cy="491658"/>
+          </a:xfrm>
+        </p:spPr>
+        <p:txBody>
+          <a:bodyPr/>
+          <a:lstStyle/>
+          <a:p>
+            <a:r>
+              <a:rPr lang="en-US" altLang="en-US" sz="2800" dirty="0"/>
+              <a:t>Deleting a Node</a:t>
+            </a:r>
+            <a:endParaRPr lang="en-US" sz="2800" dirty="0"/>
+          </a:p>
+        </p:txBody>
+      </p:sp>
+      <p:sp>
+        <p:nvSpPr>
+          <p:cNvPr id="3" name="Text Placeholder 2">
+            <a:extLst>
+              <a:ext uri="{FF2B5EF4-FFF2-40B4-BE49-F238E27FC236}">
+                <a16:creationId xmlns:a16="http://schemas.microsoft.com/office/drawing/2014/main" id="{E9DCE6ED-BE05-45E5-AA12-204E53762B2F}"/>
+              </a:ext>
+            </a:extLst>
+          </p:cNvPr>
+          <p:cNvSpPr>
+            <a:spLocks noGrp="1"/>
+          </p:cNvSpPr>
+          <p:nvPr>
+            <p:ph type="body" sz="quarter" idx="12"/>
+          </p:nvPr>
+        </p:nvSpPr>
+        <p:spPr>
+          <a:xfrm>
+            <a:off x="369454" y="857645"/>
+            <a:ext cx="8405091" cy="3193676"/>
+          </a:xfrm>
+        </p:spPr>
+        <p:txBody>
+          <a:bodyPr/>
+          <a:lstStyle/>
+          <a:p>
+            <a:pPr marL="0" indent="0">
+              <a:buNone/>
+            </a:pPr>
+            <a:r>
+              <a:rPr lang="en-US" altLang="en-US" sz="2800" b="1" dirty="0">
+                <a:solidFill>
+                  <a:schemeClr val="tx1"/>
+                </a:solidFill>
+              </a:rPr>
+              <a:t>Find the node that points to the desired node.</a:t>
+            </a:r>
+            <a:br>
+              <a:rPr lang="en-US" altLang="en-US" sz="2800" b="1" dirty="0">
+                <a:solidFill>
+                  <a:schemeClr val="tx1"/>
+                </a:solidFill>
+              </a:rPr>
+            </a:br>
+            <a:r>
+              <a:rPr lang="en-US" altLang="en-US" sz="2800" b="1" dirty="0">
+                <a:solidFill>
+                  <a:schemeClr val="tx1"/>
+                </a:solidFill>
+              </a:rPr>
+              <a:t>Redirect that node’s pointer to the next node (or NULL).</a:t>
+            </a:r>
+            <a:br>
+              <a:rPr lang="en-US" altLang="en-US" sz="2800" b="1" dirty="0">
+                <a:solidFill>
+                  <a:schemeClr val="tx1"/>
+                </a:solidFill>
+              </a:rPr>
+            </a:br>
+            <a:r>
+              <a:rPr lang="en-US" altLang="en-US" sz="2800" b="1" dirty="0">
+                <a:solidFill>
+                  <a:schemeClr val="tx1"/>
+                </a:solidFill>
+              </a:rPr>
+              <a:t>Free the deleted node’s memory.</a:t>
+            </a:r>
+          </a:p>
+          <a:p>
+            <a:pPr marL="0" indent="0">
+              <a:buNone/>
+            </a:pPr>
+            <a:endParaRPr lang="en-US" dirty="0"/>
+          </a:p>
+        </p:txBody>
+      </p:sp>
+      <p:pic>
+        <p:nvPicPr>
+          <p:cNvPr id="4" name="Picture 3">
+            <a:extLst>
+              <a:ext uri="{FF2B5EF4-FFF2-40B4-BE49-F238E27FC236}">
+                <a16:creationId xmlns:a16="http://schemas.microsoft.com/office/drawing/2014/main" id="{A3538EBB-B1F3-4AF2-9C98-411EF0299BAC}"/>
+              </a:ext>
+            </a:extLst>
+          </p:cNvPr>
+          <p:cNvPicPr>
+            <a:picLocks noChangeAspect="1"/>
+          </p:cNvPicPr>
+          <p:nvPr/>
+        </p:nvPicPr>
+        <p:blipFill>
+          <a:blip r:embed="rId2"/>
+          <a:stretch>
+            <a:fillRect/>
+          </a:stretch>
+        </p:blipFill>
+        <p:spPr>
+          <a:xfrm>
+            <a:off x="1108427" y="2454483"/>
+            <a:ext cx="7581900" cy="2581275"/>
+          </a:xfrm>
+          <a:prstGeom prst="rect">
+            <a:avLst/>
+          </a:prstGeom>
+        </p:spPr>
+      </p:pic>
+    </p:spTree>
+    <p:extLst>
+      <p:ext uri="{BB962C8B-B14F-4D97-AF65-F5344CB8AC3E}">
+        <p14:creationId xmlns:p14="http://schemas.microsoft.com/office/powerpoint/2010/main" val="3857599869"/>
+      </p:ext>
+    </p:extLst>
+  </p:cSld>
+  <p:clrMapOvr>
+    <a:masterClrMapping/>
+  </p:clrMapOvr>
+</p:sld>
+</file>
+
+<file path=ppt/slides/slide11.xml><?xml version="1.0" encoding="utf-8"?>
+<p:sld xmlns:a="http://schemas.openxmlformats.org/drawingml/2006/main" xmlns:r="http://schemas.openxmlformats.org/officeDocument/2006/relationships" xmlns:p="http://schemas.openxmlformats.org/presentationml/2006/main">
+  <p:cSld>
+    <p:spTree>
+      <p:nvGrpSpPr>
+        <p:cNvPr id="1" name=""/>
+        <p:cNvGrpSpPr/>
+        <p:nvPr/>
+      </p:nvGrpSpPr>
+      <p:grpSpPr>
+        <a:xfrm>
+          <a:off x="0" y="0"/>
+          <a:ext cx="0" cy="0"/>
+          <a:chOff x="0" y="0"/>
+          <a:chExt cx="0" cy="0"/>
+        </a:xfrm>
+      </p:grpSpPr>
       <p:pic>
         <p:nvPicPr>
           <p:cNvPr id="4" name="Picture 3">
@@ -4482,7 +4653,7 @@
             <a:effectLst/>
             <a:extLst>
               <a:ext uri="{AF507438-7753-43e0-B8FC-AC1667EBCBE1}">
-                <a14:hiddenEffects xmlns:a14="http://schemas.microsoft.com/office/drawing/2010/main" xmlns="">
+                <a14:hiddenEffects xmlns="" xmlns:a14="http://schemas.microsoft.com/office/drawing/2010/main">
                   <a:effectLst>
                     <a:outerShdw blurRad="63500" dist="38099" dir="2700000" algn="ctr" rotWithShape="0">
                       <a:schemeClr val="bg2">
@@ -4540,7 +4711,7 @@
             <a:effectLst/>
             <a:extLst>
               <a:ext uri="{AF507438-7753-43e0-B8FC-AC1667EBCBE1}">
-                <a14:hiddenEffects xmlns:a14="http://schemas.microsoft.com/office/drawing/2010/main" xmlns="">
+                <a14:hiddenEffects xmlns="" xmlns:a14="http://schemas.microsoft.com/office/drawing/2010/main">
                   <a:effectLst>
                     <a:outerShdw blurRad="63500" dist="38099" dir="2700000" algn="ctr" rotWithShape="0">
                       <a:schemeClr val="bg2">
@@ -4598,7 +4769,7 @@
             <a:effectLst/>
             <a:extLst>
               <a:ext uri="{AF507438-7753-43e0-B8FC-AC1667EBCBE1}">
-                <a14:hiddenEffects xmlns:a14="http://schemas.microsoft.com/office/drawing/2010/main" xmlns="">
+                <a14:hiddenEffects xmlns="" xmlns:a14="http://schemas.microsoft.com/office/drawing/2010/main">
                   <a:effectLst>
                     <a:outerShdw blurRad="63500" dist="38099" dir="2700000" algn="ctr" rotWithShape="0">
                       <a:schemeClr val="bg2">
@@ -4650,12 +4821,12 @@
             <a:effectLst/>
             <a:extLst>
               <a:ext uri="{909E8E84-426E-40dd-AFC4-6F175D3DCCD1}">
-                <a14:hiddenFill xmlns:a14="http://schemas.microsoft.com/office/drawing/2010/main" xmlns="">
+                <a14:hiddenFill xmlns="" xmlns:a14="http://schemas.microsoft.com/office/drawing/2010/main">
                   <a:noFill/>
                 </a14:hiddenFill>
               </a:ext>
               <a:ext uri="{AF507438-7753-43e0-B8FC-AC1667EBCBE1}">
-                <a14:hiddenEffects xmlns:a14="http://schemas.microsoft.com/office/drawing/2010/main" xmlns="">
+                <a14:hiddenEffects xmlns="" xmlns:a14="http://schemas.microsoft.com/office/drawing/2010/main">
                   <a:effectLst>
                     <a:outerShdw blurRad="63500" dist="38099" dir="2700000" algn="ctr" rotWithShape="0">
                       <a:schemeClr val="bg2">
@@ -4696,12 +4867,12 @@
             <a:effectLst/>
             <a:extLst>
               <a:ext uri="{909E8E84-426E-40dd-AFC4-6F175D3DCCD1}">
-                <a14:hiddenFill xmlns:a14="http://schemas.microsoft.com/office/drawing/2010/main" xmlns="">
+                <a14:hiddenFill xmlns="" xmlns:a14="http://schemas.microsoft.com/office/drawing/2010/main">
                   <a:noFill/>
                 </a14:hiddenFill>
               </a:ext>
               <a:ext uri="{AF507438-7753-43e0-B8FC-AC1667EBCBE1}">
-                <a14:hiddenEffects xmlns:a14="http://schemas.microsoft.com/office/drawing/2010/main" xmlns="">
+                <a14:hiddenEffects xmlns="" xmlns:a14="http://schemas.microsoft.com/office/drawing/2010/main">
                   <a:effectLst>
                     <a:outerShdw blurRad="63500" dist="38099" dir="2700000" algn="ctr" rotWithShape="0">
                       <a:schemeClr val="bg2">
@@ -4737,14 +4908,14 @@
             <a:effectLst/>
             <a:extLst>
               <a:ext uri="{909E8E84-426E-40dd-AFC4-6F175D3DCCD1}">
-                <a14:hiddenFill xmlns:a14="http://schemas.microsoft.com/office/drawing/2010/main" xmlns="">
+                <a14:hiddenFill xmlns="" xmlns:a14="http://schemas.microsoft.com/office/drawing/2010/main">
                   <a:solidFill>
                     <a:schemeClr val="accent1"/>
                   </a:solidFill>
                 </a14:hiddenFill>
               </a:ext>
               <a:ext uri="{91240B29-F687-4f45-9708-019B960494DF}">
-                <a14:hiddenLine xmlns:a14="http://schemas.microsoft.com/office/drawing/2010/main" xmlns="" w="9525">
+                <a14:hiddenLine xmlns="" xmlns:a14="http://schemas.microsoft.com/office/drawing/2010/main" w="9525">
                   <a:solidFill>
                     <a:schemeClr val="tx1"/>
                   </a:solidFill>
@@ -4754,7 +4925,7 @@
                 </a14:hiddenLine>
               </a:ext>
               <a:ext uri="{AF507438-7753-43e0-B8FC-AC1667EBCBE1}">
-                <a14:hiddenEffects xmlns:a14="http://schemas.microsoft.com/office/drawing/2010/main" xmlns="">
+                <a14:hiddenEffects xmlns="" xmlns:a14="http://schemas.microsoft.com/office/drawing/2010/main">
                   <a:effectLst>
                     <a:outerShdw blurRad="63500" dist="38099" dir="2700000" algn="ctr" rotWithShape="0">
                       <a:schemeClr val="bg2">
@@ -4808,12 +4979,12 @@
             <a:effectLst/>
             <a:extLst>
               <a:ext uri="{909E8E84-426E-40dd-AFC4-6F175D3DCCD1}">
-                <a14:hiddenFill xmlns:a14="http://schemas.microsoft.com/office/drawing/2010/main" xmlns="">
+                <a14:hiddenFill xmlns="" xmlns:a14="http://schemas.microsoft.com/office/drawing/2010/main">
                   <a:noFill/>
                 </a14:hiddenFill>
               </a:ext>
               <a:ext uri="{AF507438-7753-43e0-B8FC-AC1667EBCBE1}">
-                <a14:hiddenEffects xmlns:a14="http://schemas.microsoft.com/office/drawing/2010/main" xmlns="">
+                <a14:hiddenEffects xmlns="" xmlns:a14="http://schemas.microsoft.com/office/drawing/2010/main">
                   <a:effectLst>
                     <a:outerShdw blurRad="63500" dist="38099" dir="2700000" algn="ctr" rotWithShape="0">
                       <a:schemeClr val="bg2">
@@ -5375,7 +5546,7 @@
             <a:effectLst/>
             <a:extLst>
               <a:ext uri="{AF507438-7753-43e0-B8FC-AC1667EBCBE1}">
-                <a14:hiddenEffects xmlns:a14="http://schemas.microsoft.com/office/drawing/2010/main" xmlns="">
+                <a14:hiddenEffects xmlns="" xmlns:a14="http://schemas.microsoft.com/office/drawing/2010/main">
                   <a:effectLst>
                     <a:outerShdw blurRad="63500" dist="38099" dir="2700000" algn="ctr" rotWithShape="0">
                       <a:schemeClr val="bg2">
@@ -5433,7 +5604,7 @@
             <a:effectLst/>
             <a:extLst>
               <a:ext uri="{AF507438-7753-43e0-B8FC-AC1667EBCBE1}">
-                <a14:hiddenEffects xmlns:a14="http://schemas.microsoft.com/office/drawing/2010/main" xmlns="">
+                <a14:hiddenEffects xmlns="" xmlns:a14="http://schemas.microsoft.com/office/drawing/2010/main">
                   <a:effectLst>
                     <a:outerShdw blurRad="63500" dist="38099" dir="2700000" algn="ctr" rotWithShape="0">
                       <a:schemeClr val="bg2">
@@ -5491,7 +5662,7 @@
             <a:effectLst/>
             <a:extLst>
               <a:ext uri="{AF507438-7753-43e0-B8FC-AC1667EBCBE1}">
-                <a14:hiddenEffects xmlns:a14="http://schemas.microsoft.com/office/drawing/2010/main" xmlns="">
+                <a14:hiddenEffects xmlns="" xmlns:a14="http://schemas.microsoft.com/office/drawing/2010/main">
                   <a:effectLst>
                     <a:outerShdw blurRad="63500" dist="38099" dir="2700000" algn="ctr" rotWithShape="0">
                       <a:schemeClr val="bg2">
@@ -5543,12 +5714,12 @@
             <a:effectLst/>
             <a:extLst>
               <a:ext uri="{909E8E84-426E-40dd-AFC4-6F175D3DCCD1}">
-                <a14:hiddenFill xmlns:a14="http://schemas.microsoft.com/office/drawing/2010/main" xmlns="">
+                <a14:hiddenFill xmlns="" xmlns:a14="http://schemas.microsoft.com/office/drawing/2010/main">
                   <a:noFill/>
                 </a14:hiddenFill>
               </a:ext>
               <a:ext uri="{AF507438-7753-43e0-B8FC-AC1667EBCBE1}">
-                <a14:hiddenEffects xmlns:a14="http://schemas.microsoft.com/office/drawing/2010/main" xmlns="">
+                <a14:hiddenEffects xmlns="" xmlns:a14="http://schemas.microsoft.com/office/drawing/2010/main">
                   <a:effectLst>
                     <a:outerShdw blurRad="63500" dist="38099" dir="2700000" algn="ctr" rotWithShape="0">
                       <a:schemeClr val="bg2">
@@ -5589,12 +5760,12 @@
             <a:effectLst/>
             <a:extLst>
               <a:ext uri="{909E8E84-426E-40dd-AFC4-6F175D3DCCD1}">
-                <a14:hiddenFill xmlns:a14="http://schemas.microsoft.com/office/drawing/2010/main" xmlns="">
+                <a14:hiddenFill xmlns="" xmlns:a14="http://schemas.microsoft.com/office/drawing/2010/main">
                   <a:noFill/>
                 </a14:hiddenFill>
               </a:ext>
               <a:ext uri="{AF507438-7753-43e0-B8FC-AC1667EBCBE1}">
-                <a14:hiddenEffects xmlns:a14="http://schemas.microsoft.com/office/drawing/2010/main" xmlns="">
+                <a14:hiddenEffects xmlns="" xmlns:a14="http://schemas.microsoft.com/office/drawing/2010/main">
                   <a:effectLst>
                     <a:outerShdw blurRad="63500" dist="38099" dir="2700000" algn="ctr" rotWithShape="0">
                       <a:schemeClr val="bg2">
@@ -5630,14 +5801,14 @@
             <a:effectLst/>
             <a:extLst>
               <a:ext uri="{909E8E84-426E-40dd-AFC4-6F175D3DCCD1}">
-                <a14:hiddenFill xmlns:a14="http://schemas.microsoft.com/office/drawing/2010/main" xmlns="">
+                <a14:hiddenFill xmlns="" xmlns:a14="http://schemas.microsoft.com/office/drawing/2010/main">
                   <a:solidFill>
                     <a:schemeClr val="accent1"/>
                   </a:solidFill>
                 </a14:hiddenFill>
               </a:ext>
               <a:ext uri="{91240B29-F687-4f45-9708-019B960494DF}">
-                <a14:hiddenLine xmlns:a14="http://schemas.microsoft.com/office/drawing/2010/main" xmlns="" w="9525">
+                <a14:hiddenLine xmlns="" xmlns:a14="http://schemas.microsoft.com/office/drawing/2010/main" w="9525">
                   <a:solidFill>
                     <a:schemeClr val="tx1"/>
                   </a:solidFill>
@@ -5647,7 +5818,7 @@
                 </a14:hiddenLine>
               </a:ext>
               <a:ext uri="{AF507438-7753-43e0-B8FC-AC1667EBCBE1}">
-                <a14:hiddenEffects xmlns:a14="http://schemas.microsoft.com/office/drawing/2010/main" xmlns="">
+                <a14:hiddenEffects xmlns="" xmlns:a14="http://schemas.microsoft.com/office/drawing/2010/main">
                   <a:effectLst>
                     <a:outerShdw blurRad="63500" dist="38099" dir="2700000" algn="ctr" rotWithShape="0">
                       <a:schemeClr val="bg2">
@@ -5701,12 +5872,12 @@
             <a:effectLst/>
             <a:extLst>
               <a:ext uri="{909E8E84-426E-40dd-AFC4-6F175D3DCCD1}">
-                <a14:hiddenFill xmlns:a14="http://schemas.microsoft.com/office/drawing/2010/main" xmlns="">
+                <a14:hiddenFill xmlns="" xmlns:a14="http://schemas.microsoft.com/office/drawing/2010/main">
                   <a:noFill/>
                 </a14:hiddenFill>
               </a:ext>
               <a:ext uri="{AF507438-7753-43e0-B8FC-AC1667EBCBE1}">
-                <a14:hiddenEffects xmlns:a14="http://schemas.microsoft.com/office/drawing/2010/main" xmlns="">
+                <a14:hiddenEffects xmlns="" xmlns:a14="http://schemas.microsoft.com/office/drawing/2010/main">
                   <a:effectLst>
                     <a:outerShdw blurRad="63500" dist="38099" dir="2700000" algn="ctr" rotWithShape="0">
                       <a:schemeClr val="bg2">
@@ -7037,6 +7208,107 @@
           <p:cNvPr id="2" name="Text Placeholder 1">
             <a:extLst>
               <a:ext uri="{FF2B5EF4-FFF2-40B4-BE49-F238E27FC236}">
+                <a16:creationId xmlns:a16="http://schemas.microsoft.com/office/drawing/2014/main" id="{56476846-57D6-493C-BB0E-982B2542AFE7}"/>
+              </a:ext>
+            </a:extLst>
+          </p:cNvPr>
+          <p:cNvSpPr>
+            <a:spLocks noGrp="1"/>
+          </p:cNvSpPr>
+          <p:nvPr>
+            <p:ph type="body" sz="quarter" idx="10"/>
+          </p:nvPr>
+        </p:nvSpPr>
+        <p:spPr>
+          <a:xfrm>
+            <a:off x="99580" y="266044"/>
+            <a:ext cx="2048057" cy="1346187"/>
+          </a:xfrm>
+        </p:spPr>
+        <p:txBody>
+          <a:bodyPr/>
+          <a:lstStyle/>
+          <a:p>
+            <a:r>
+              <a:rPr lang="en-US" dirty="0"/>
+              <a:t>Create a Simple </a:t>
+            </a:r>
+            <a:r>
+              <a:rPr lang="en-US" dirty="0" err="1"/>
+              <a:t>Linklist</a:t>
+            </a:r>
+            <a:r>
+              <a:rPr lang="en-US" dirty="0"/>
+              <a:t>:</a:t>
+            </a:r>
+          </a:p>
+        </p:txBody>
+      </p:sp>
+      <p:pic>
+        <p:nvPicPr>
+          <p:cNvPr id="4" name="Picture 3">
+            <a:extLst>
+              <a:ext uri="{FF2B5EF4-FFF2-40B4-BE49-F238E27FC236}">
+                <a16:creationId xmlns:a16="http://schemas.microsoft.com/office/drawing/2014/main" id="{4704C5F8-8D0D-44A6-97DA-3A315102A77F}"/>
+              </a:ext>
+            </a:extLst>
+          </p:cNvPr>
+          <p:cNvPicPr>
+            <a:picLocks noChangeAspect="1"/>
+          </p:cNvPicPr>
+          <p:nvPr/>
+        </p:nvPicPr>
+        <p:blipFill>
+          <a:blip r:embed="rId2"/>
+          <a:stretch>
+            <a:fillRect/>
+          </a:stretch>
+        </p:blipFill>
+        <p:spPr>
+          <a:xfrm>
+            <a:off x="2352488" y="0"/>
+            <a:ext cx="6629068" cy="5143500"/>
+          </a:xfrm>
+          <a:prstGeom prst="rect">
+            <a:avLst/>
+          </a:prstGeom>
+        </p:spPr>
+      </p:pic>
+    </p:spTree>
+    <p:extLst>
+      <p:ext uri="{BB962C8B-B14F-4D97-AF65-F5344CB8AC3E}">
+        <p14:creationId xmlns:p14="http://schemas.microsoft.com/office/powerpoint/2010/main" val="3265823015"/>
+      </p:ext>
+    </p:extLst>
+  </p:cSld>
+  <p:clrMapOvr>
+    <a:masterClrMapping/>
+  </p:clrMapOvr>
+</p:sld>
+</file>
+
+<file path=ppt/slides/slide8.xml><?xml version="1.0" encoding="utf-8"?>
+<p:sld xmlns:a="http://schemas.openxmlformats.org/drawingml/2006/main" xmlns:r="http://schemas.openxmlformats.org/officeDocument/2006/relationships" xmlns:p="http://schemas.openxmlformats.org/presentationml/2006/main">
+  <p:cSld>
+    <p:spTree>
+      <p:nvGrpSpPr>
+        <p:cNvPr id="1" name=""/>
+        <p:cNvGrpSpPr/>
+        <p:nvPr/>
+      </p:nvGrpSpPr>
+      <p:grpSpPr>
+        <a:xfrm>
+          <a:off x="0" y="0"/>
+          <a:ext cx="0" cy="0"/>
+          <a:chOff x="0" y="0"/>
+          <a:chExt cx="0" cy="0"/>
+        </a:xfrm>
+      </p:grpSpPr>
+      <p:sp>
+        <p:nvSpPr>
+          <p:cNvPr id="2" name="Text Placeholder 1">
+            <a:extLst>
+              <a:ext uri="{FF2B5EF4-FFF2-40B4-BE49-F238E27FC236}">
                 <a16:creationId xmlns:a16="http://schemas.microsoft.com/office/drawing/2014/main" id="{47760E23-A21D-4990-B118-AF4092412EDD}"/>
               </a:ext>
             </a:extLst>
@@ -7181,7 +7453,7 @@
 </p:sld>
 </file>
 
-<file path=ppt/slides/slide8.xml><?xml version="1.0" encoding="utf-8"?>
+<file path=ppt/slides/slide9.xml><?xml version="1.0" encoding="utf-8"?>
 <p:sld xmlns:a="http://schemas.openxmlformats.org/drawingml/2006/main" xmlns:r="http://schemas.openxmlformats.org/officeDocument/2006/relationships" xmlns:p="http://schemas.openxmlformats.org/presentationml/2006/main">
   <p:cSld>
     <p:spTree>
@@ -7262,176 +7534,6 @@
     <p:extLst>
       <p:ext uri="{BB962C8B-B14F-4D97-AF65-F5344CB8AC3E}">
         <p14:creationId xmlns:p14="http://schemas.microsoft.com/office/powerpoint/2010/main" val="2141017534"/>
-      </p:ext>
-    </p:extLst>
-  </p:cSld>
-  <p:clrMapOvr>
-    <a:masterClrMapping/>
-  </p:clrMapOvr>
-</p:sld>
-</file>
-
-<file path=ppt/slides/slide9.xml><?xml version="1.0" encoding="utf-8"?>
-<p:sld xmlns:a="http://schemas.openxmlformats.org/drawingml/2006/main" xmlns:r="http://schemas.openxmlformats.org/officeDocument/2006/relationships" xmlns:p="http://schemas.openxmlformats.org/presentationml/2006/main">
-  <p:cSld>
-    <p:spTree>
-      <p:nvGrpSpPr>
-        <p:cNvPr id="1" name=""/>
-        <p:cNvGrpSpPr/>
-        <p:nvPr/>
-      </p:nvGrpSpPr>
-      <p:grpSpPr>
-        <a:xfrm>
-          <a:off x="0" y="0"/>
-          <a:ext cx="0" cy="0"/>
-          <a:chOff x="0" y="0"/>
-          <a:chExt cx="0" cy="0"/>
-        </a:xfrm>
-      </p:grpSpPr>
-      <p:sp>
-        <p:nvSpPr>
-          <p:cNvPr id="2" name="Text Placeholder 1">
-            <a:extLst>
-              <a:ext uri="{FF2B5EF4-FFF2-40B4-BE49-F238E27FC236}">
-                <a16:creationId xmlns:a16="http://schemas.microsoft.com/office/drawing/2014/main" id="{7D765CEB-9593-4E5A-A6D4-A6D7E3B5D567}"/>
-              </a:ext>
-            </a:extLst>
-          </p:cNvPr>
-          <p:cNvSpPr>
-            <a:spLocks noGrp="1"/>
-          </p:cNvSpPr>
-          <p:nvPr>
-            <p:ph type="body" sz="quarter" idx="10"/>
-          </p:nvPr>
-        </p:nvSpPr>
-        <p:spPr>
-          <a:xfrm>
-            <a:off x="404095" y="273144"/>
-            <a:ext cx="8405091" cy="491658"/>
-          </a:xfrm>
-        </p:spPr>
-        <p:txBody>
-          <a:bodyPr/>
-          <a:lstStyle/>
-          <a:p>
-            <a:r>
-              <a:rPr lang="en-US" altLang="en-US" sz="2800" dirty="0"/>
-              <a:t>Deleting a Node</a:t>
-            </a:r>
-            <a:endParaRPr lang="en-US" sz="2800" dirty="0"/>
-          </a:p>
-        </p:txBody>
-      </p:sp>
-      <p:sp>
-        <p:nvSpPr>
-          <p:cNvPr id="3" name="Text Placeholder 2">
-            <a:extLst>
-              <a:ext uri="{FF2B5EF4-FFF2-40B4-BE49-F238E27FC236}">
-                <a16:creationId xmlns:a16="http://schemas.microsoft.com/office/drawing/2014/main" id="{E9DCE6ED-BE05-45E5-AA12-204E53762B2F}"/>
-              </a:ext>
-            </a:extLst>
-          </p:cNvPr>
-          <p:cNvSpPr>
-            <a:spLocks noGrp="1"/>
-          </p:cNvSpPr>
-          <p:nvPr>
-            <p:ph type="body" sz="quarter" idx="12"/>
-          </p:nvPr>
-        </p:nvSpPr>
-        <p:spPr>
-          <a:xfrm>
-            <a:off x="369454" y="857645"/>
-            <a:ext cx="8405091" cy="3193676"/>
-          </a:xfrm>
-        </p:spPr>
-        <p:txBody>
-          <a:bodyPr/>
-          <a:lstStyle/>
-          <a:p>
-            <a:pPr marL="0" indent="0">
-              <a:buNone/>
-            </a:pPr>
-            <a:r>
-              <a:rPr lang="en-US" altLang="en-US" sz="2800" b="1" dirty="0">
-                <a:solidFill>
-                  <a:schemeClr val="tx1"/>
-                </a:solidFill>
-              </a:rPr>
-              <a:t>Find the node that points to the desired node.</a:t>
-            </a:r>
-            <a:br>
-              <a:rPr lang="en-US" altLang="en-US" sz="2800" b="1" dirty="0">
-                <a:solidFill>
-                  <a:schemeClr val="tx1"/>
-                </a:solidFill>
-              </a:rPr>
-            </a:br>
-            <a:r>
-              <a:rPr lang="en-US" altLang="en-US" sz="2800" b="1" dirty="0">
-                <a:solidFill>
-                  <a:schemeClr val="tx1"/>
-                </a:solidFill>
-              </a:rPr>
-              <a:t>Redirect that node’s pointer to the next node (or NULL).</a:t>
-            </a:r>
-            <a:br>
-              <a:rPr lang="en-US" altLang="en-US" sz="2800" b="1" dirty="0">
-                <a:solidFill>
-                  <a:schemeClr val="tx1"/>
-                </a:solidFill>
-              </a:rPr>
-            </a:br>
-            <a:r>
-              <a:rPr lang="en-US" altLang="en-US" sz="2800" b="1" dirty="0">
-                <a:solidFill>
-                  <a:schemeClr val="tx1"/>
-                </a:solidFill>
-              </a:rPr>
-              <a:t>Free the deleted node’s memory.</a:t>
-            </a:r>
-          </a:p>
-          <a:p>
-            <a:pPr marL="0" indent="0">
-              <a:buNone/>
-            </a:pPr>
-            <a:endParaRPr lang="en-US" dirty="0"/>
-          </a:p>
-        </p:txBody>
-      </p:sp>
-      <p:pic>
-        <p:nvPicPr>
-          <p:cNvPr id="4" name="Picture 3">
-            <a:extLst>
-              <a:ext uri="{FF2B5EF4-FFF2-40B4-BE49-F238E27FC236}">
-                <a16:creationId xmlns:a16="http://schemas.microsoft.com/office/drawing/2014/main" id="{A3538EBB-B1F3-4AF2-9C98-411EF0299BAC}"/>
-              </a:ext>
-            </a:extLst>
-          </p:cNvPr>
-          <p:cNvPicPr>
-            <a:picLocks noChangeAspect="1"/>
-          </p:cNvPicPr>
-          <p:nvPr/>
-        </p:nvPicPr>
-        <p:blipFill>
-          <a:blip r:embed="rId2"/>
-          <a:stretch>
-            <a:fillRect/>
-          </a:stretch>
-        </p:blipFill>
-        <p:spPr>
-          <a:xfrm>
-            <a:off x="1108427" y="2454483"/>
-            <a:ext cx="7581900" cy="2581275"/>
-          </a:xfrm>
-          <a:prstGeom prst="rect">
-            <a:avLst/>
-          </a:prstGeom>
-        </p:spPr>
-      </p:pic>
-    </p:spTree>
-    <p:extLst>
-      <p:ext uri="{BB962C8B-B14F-4D97-AF65-F5344CB8AC3E}">
-        <p14:creationId xmlns:p14="http://schemas.microsoft.com/office/powerpoint/2010/main" val="3857599869"/>
       </p:ext>
     </p:extLst>
   </p:cSld>

--- a/Lecture#19/Lecture_19.pptx
+++ b/Lecture#19/Lecture_19.pptx
@@ -18,8 +18,8 @@
     <p:sldId id="504" r:id="rId6"/>
     <p:sldId id="505" r:id="rId7"/>
     <p:sldId id="408" r:id="rId8"/>
-    <p:sldId id="507" r:id="rId9"/>
-    <p:sldId id="513" r:id="rId10"/>
+    <p:sldId id="513" r:id="rId9"/>
+    <p:sldId id="507" r:id="rId10"/>
     <p:sldId id="510" r:id="rId11"/>
     <p:sldId id="508" r:id="rId12"/>
     <p:sldId id="512" r:id="rId13"/>
@@ -6988,6 +6988,137 @@
       </p:grpSpPr>
       <p:sp>
         <p:nvSpPr>
+          <p:cNvPr id="2" name="Text Placeholder 1">
+            <a:extLst>
+              <a:ext uri="{FF2B5EF4-FFF2-40B4-BE49-F238E27FC236}">
+                <a16:creationId xmlns:a16="http://schemas.microsoft.com/office/drawing/2014/main" id="{56476846-57D6-493C-BB0E-982B2542AFE7}"/>
+              </a:ext>
+            </a:extLst>
+          </p:cNvPr>
+          <p:cNvSpPr>
+            <a:spLocks noGrp="1"/>
+          </p:cNvSpPr>
+          <p:nvPr>
+            <p:ph type="body" sz="quarter" idx="10"/>
+          </p:nvPr>
+        </p:nvSpPr>
+        <p:spPr>
+          <a:xfrm>
+            <a:off x="99580" y="266044"/>
+            <a:ext cx="2048057" cy="1346187"/>
+          </a:xfrm>
+        </p:spPr>
+        <p:txBody>
+          <a:bodyPr/>
+          <a:lstStyle/>
+          <a:p>
+            <a:r>
+              <a:rPr lang="en-US" dirty="0"/>
+              <a:t>Create a Simple </a:t>
+            </a:r>
+            <a:r>
+              <a:rPr lang="en-US" dirty="0" err="1"/>
+              <a:t>Linklist</a:t>
+            </a:r>
+            <a:r>
+              <a:rPr lang="en-US" dirty="0"/>
+              <a:t>:</a:t>
+            </a:r>
+          </a:p>
+        </p:txBody>
+      </p:sp>
+      <p:pic>
+        <p:nvPicPr>
+          <p:cNvPr id="4" name="Picture 3">
+            <a:extLst>
+              <a:ext uri="{FF2B5EF4-FFF2-40B4-BE49-F238E27FC236}">
+                <a16:creationId xmlns:a16="http://schemas.microsoft.com/office/drawing/2014/main" id="{4704C5F8-8D0D-44A6-97DA-3A315102A77F}"/>
+              </a:ext>
+            </a:extLst>
+          </p:cNvPr>
+          <p:cNvPicPr>
+            <a:picLocks noChangeAspect="1"/>
+          </p:cNvPicPr>
+          <p:nvPr/>
+        </p:nvPicPr>
+        <p:blipFill>
+          <a:blip r:embed="rId2"/>
+          <a:stretch>
+            <a:fillRect/>
+          </a:stretch>
+        </p:blipFill>
+        <p:spPr>
+          <a:xfrm>
+            <a:off x="2352488" y="0"/>
+            <a:ext cx="6629068" cy="5143500"/>
+          </a:xfrm>
+          <a:prstGeom prst="rect">
+            <a:avLst/>
+          </a:prstGeom>
+        </p:spPr>
+      </p:pic>
+      <p:pic>
+        <p:nvPicPr>
+          <p:cNvPr id="5" name="Picture 4">
+            <a:extLst>
+              <a:ext uri="{FF2B5EF4-FFF2-40B4-BE49-F238E27FC236}">
+                <a16:creationId xmlns:a16="http://schemas.microsoft.com/office/drawing/2014/main" id="{6158F7BA-97F8-4109-9192-6A3CD8AF77CE}"/>
+              </a:ext>
+            </a:extLst>
+          </p:cNvPr>
+          <p:cNvPicPr>
+            <a:picLocks noChangeAspect="1"/>
+          </p:cNvPicPr>
+          <p:nvPr/>
+        </p:nvPicPr>
+        <p:blipFill>
+          <a:blip r:embed="rId3"/>
+          <a:stretch>
+            <a:fillRect/>
+          </a:stretch>
+        </p:blipFill>
+        <p:spPr>
+          <a:xfrm>
+            <a:off x="0" y="1798875"/>
+            <a:ext cx="2418347" cy="1086697"/>
+          </a:xfrm>
+          <a:prstGeom prst="rect">
+            <a:avLst/>
+          </a:prstGeom>
+        </p:spPr>
+      </p:pic>
+    </p:spTree>
+    <p:extLst>
+      <p:ext uri="{BB962C8B-B14F-4D97-AF65-F5344CB8AC3E}">
+        <p14:creationId xmlns:p14="http://schemas.microsoft.com/office/powerpoint/2010/main" val="3265823015"/>
+      </p:ext>
+    </p:extLst>
+  </p:cSld>
+  <p:clrMapOvr>
+    <a:masterClrMapping/>
+  </p:clrMapOvr>
+</p:sld>
+</file>
+
+<file path=ppt/slides/slide7.xml><?xml version="1.0" encoding="utf-8"?>
+<p:sld xmlns:a="http://schemas.openxmlformats.org/drawingml/2006/main" xmlns:r="http://schemas.openxmlformats.org/officeDocument/2006/relationships" xmlns:p="http://schemas.openxmlformats.org/presentationml/2006/main">
+  <p:cSld>
+    <p:spTree>
+      <p:nvGrpSpPr>
+        <p:cNvPr id="1" name=""/>
+        <p:cNvGrpSpPr/>
+        <p:nvPr/>
+      </p:nvGrpSpPr>
+      <p:grpSpPr>
+        <a:xfrm>
+          <a:off x="0" y="0"/>
+          <a:ext cx="0" cy="0"/>
+          <a:chOff x="0" y="0"/>
+          <a:chExt cx="0" cy="0"/>
+        </a:xfrm>
+      </p:grpSpPr>
+      <p:sp>
+        <p:nvSpPr>
           <p:cNvPr id="3" name="Text Placeholder 2"/>
           <p:cNvSpPr>
             <a:spLocks noGrp="1"/>
@@ -7177,107 +7308,6 @@
     <p:extLst>
       <p:ext uri="{BB962C8B-B14F-4D97-AF65-F5344CB8AC3E}">
         <p14:creationId xmlns:p14="http://schemas.microsoft.com/office/powerpoint/2010/main" val="2133004799"/>
-      </p:ext>
-    </p:extLst>
-  </p:cSld>
-  <p:clrMapOvr>
-    <a:masterClrMapping/>
-  </p:clrMapOvr>
-</p:sld>
-</file>
-
-<file path=ppt/slides/slide7.xml><?xml version="1.0" encoding="utf-8"?>
-<p:sld xmlns:a="http://schemas.openxmlformats.org/drawingml/2006/main" xmlns:r="http://schemas.openxmlformats.org/officeDocument/2006/relationships" xmlns:p="http://schemas.openxmlformats.org/presentationml/2006/main">
-  <p:cSld>
-    <p:spTree>
-      <p:nvGrpSpPr>
-        <p:cNvPr id="1" name=""/>
-        <p:cNvGrpSpPr/>
-        <p:nvPr/>
-      </p:nvGrpSpPr>
-      <p:grpSpPr>
-        <a:xfrm>
-          <a:off x="0" y="0"/>
-          <a:ext cx="0" cy="0"/>
-          <a:chOff x="0" y="0"/>
-          <a:chExt cx="0" cy="0"/>
-        </a:xfrm>
-      </p:grpSpPr>
-      <p:sp>
-        <p:nvSpPr>
-          <p:cNvPr id="2" name="Text Placeholder 1">
-            <a:extLst>
-              <a:ext uri="{FF2B5EF4-FFF2-40B4-BE49-F238E27FC236}">
-                <a16:creationId xmlns:a16="http://schemas.microsoft.com/office/drawing/2014/main" id="{56476846-57D6-493C-BB0E-982B2542AFE7}"/>
-              </a:ext>
-            </a:extLst>
-          </p:cNvPr>
-          <p:cNvSpPr>
-            <a:spLocks noGrp="1"/>
-          </p:cNvSpPr>
-          <p:nvPr>
-            <p:ph type="body" sz="quarter" idx="10"/>
-          </p:nvPr>
-        </p:nvSpPr>
-        <p:spPr>
-          <a:xfrm>
-            <a:off x="99580" y="266044"/>
-            <a:ext cx="2048057" cy="1346187"/>
-          </a:xfrm>
-        </p:spPr>
-        <p:txBody>
-          <a:bodyPr/>
-          <a:lstStyle/>
-          <a:p>
-            <a:r>
-              <a:rPr lang="en-US" dirty="0"/>
-              <a:t>Create a Simple </a:t>
-            </a:r>
-            <a:r>
-              <a:rPr lang="en-US" dirty="0" err="1"/>
-              <a:t>Linklist</a:t>
-            </a:r>
-            <a:r>
-              <a:rPr lang="en-US" dirty="0"/>
-              <a:t>:</a:t>
-            </a:r>
-          </a:p>
-        </p:txBody>
-      </p:sp>
-      <p:pic>
-        <p:nvPicPr>
-          <p:cNvPr id="4" name="Picture 3">
-            <a:extLst>
-              <a:ext uri="{FF2B5EF4-FFF2-40B4-BE49-F238E27FC236}">
-                <a16:creationId xmlns:a16="http://schemas.microsoft.com/office/drawing/2014/main" id="{4704C5F8-8D0D-44A6-97DA-3A315102A77F}"/>
-              </a:ext>
-            </a:extLst>
-          </p:cNvPr>
-          <p:cNvPicPr>
-            <a:picLocks noChangeAspect="1"/>
-          </p:cNvPicPr>
-          <p:nvPr/>
-        </p:nvPicPr>
-        <p:blipFill>
-          <a:blip r:embed="rId2"/>
-          <a:stretch>
-            <a:fillRect/>
-          </a:stretch>
-        </p:blipFill>
-        <p:spPr>
-          <a:xfrm>
-            <a:off x="2352488" y="0"/>
-            <a:ext cx="6629068" cy="5143500"/>
-          </a:xfrm>
-          <a:prstGeom prst="rect">
-            <a:avLst/>
-          </a:prstGeom>
-        </p:spPr>
-      </p:pic>
-    </p:spTree>
-    <p:extLst>
-      <p:ext uri="{BB962C8B-B14F-4D97-AF65-F5344CB8AC3E}">
-        <p14:creationId xmlns:p14="http://schemas.microsoft.com/office/powerpoint/2010/main" val="3265823015"/>
       </p:ext>
     </p:extLst>
   </p:cSld>

--- a/Lecture#19/Lecture_19.pptx
+++ b/Lecture#19/Lecture_19.pptx
@@ -7502,10 +7502,10 @@
       </p:grpSpPr>
       <p:pic>
         <p:nvPicPr>
-          <p:cNvPr id="8" name="Picture 7">
+          <p:cNvPr id="2" name="Picture 1">
             <a:extLst>
               <a:ext uri="{FF2B5EF4-FFF2-40B4-BE49-F238E27FC236}">
-                <a16:creationId xmlns:a16="http://schemas.microsoft.com/office/drawing/2014/main" id="{8E91C7F6-89AC-45E9-B54A-12889C4935C3}"/>
+                <a16:creationId xmlns:a16="http://schemas.microsoft.com/office/drawing/2014/main" id="{5346C152-549F-4FD6-9576-37113209638D}"/>
               </a:ext>
             </a:extLst>
           </p:cNvPr>
@@ -7522,8 +7522,8 @@
         </p:blipFill>
         <p:spPr>
           <a:xfrm>
-            <a:off x="624112" y="0"/>
-            <a:ext cx="7895776" cy="5143500"/>
+            <a:off x="675946" y="0"/>
+            <a:ext cx="7792107" cy="5143500"/>
           </a:xfrm>
           <a:prstGeom prst="rect">
             <a:avLst/>
